--- a/Presentations/BigDataPlakatType2.pptx
+++ b/Presentations/BigDataPlakatType2.pptx
@@ -493,7 +493,7 @@
           <a:p>
             <a:fld id="{3EE56721-BCBD-4CD2-A558-B744E05A80A6}" type="datetimeFigureOut">
               <a:rPr lang="de-DE" smtClean="0"/>
-              <a:t>16.06.2015</a:t>
+              <a:t>21.06.2015</a:t>
             </a:fld>
             <a:endParaRPr lang="de-DE"/>
           </a:p>
@@ -759,7 +759,7 @@
           <a:p>
             <a:fld id="{3EE56721-BCBD-4CD2-A558-B744E05A80A6}" type="datetimeFigureOut">
               <a:rPr lang="de-DE" smtClean="0"/>
-              <a:t>16.06.2015</a:t>
+              <a:t>21.06.2015</a:t>
             </a:fld>
             <a:endParaRPr lang="de-DE"/>
           </a:p>
@@ -1009,7 +1009,7 @@
           <a:p>
             <a:fld id="{3EE56721-BCBD-4CD2-A558-B744E05A80A6}" type="datetimeFigureOut">
               <a:rPr lang="de-DE" smtClean="0"/>
-              <a:t>16.06.2015</a:t>
+              <a:t>21.06.2015</a:t>
             </a:fld>
             <a:endParaRPr lang="de-DE"/>
           </a:p>
@@ -1317,7 +1317,7 @@
           <a:p>
             <a:fld id="{3EE56721-BCBD-4CD2-A558-B744E05A80A6}" type="datetimeFigureOut">
               <a:rPr lang="de-DE" smtClean="0"/>
-              <a:t>16.06.2015</a:t>
+              <a:t>21.06.2015</a:t>
             </a:fld>
             <a:endParaRPr lang="de-DE"/>
           </a:p>
@@ -1635,7 +1635,7 @@
           <a:p>
             <a:fld id="{3EE56721-BCBD-4CD2-A558-B744E05A80A6}" type="datetimeFigureOut">
               <a:rPr lang="de-DE" smtClean="0"/>
-              <a:t>16.06.2015</a:t>
+              <a:t>21.06.2015</a:t>
             </a:fld>
             <a:endParaRPr lang="de-DE"/>
           </a:p>
@@ -1937,7 +1937,7 @@
           <a:p>
             <a:fld id="{3EE56721-BCBD-4CD2-A558-B744E05A80A6}" type="datetimeFigureOut">
               <a:rPr lang="de-DE" smtClean="0"/>
-              <a:t>16.06.2015</a:t>
+              <a:t>21.06.2015</a:t>
             </a:fld>
             <a:endParaRPr lang="de-DE"/>
           </a:p>
@@ -2304,7 +2304,7 @@
           <a:p>
             <a:fld id="{3EE56721-BCBD-4CD2-A558-B744E05A80A6}" type="datetimeFigureOut">
               <a:rPr lang="de-DE" smtClean="0"/>
-              <a:t>16.06.2015</a:t>
+              <a:t>21.06.2015</a:t>
             </a:fld>
             <a:endParaRPr lang="de-DE"/>
           </a:p>
@@ -2490,7 +2490,7 @@
           <a:p>
             <a:fld id="{3EE56721-BCBD-4CD2-A558-B744E05A80A6}" type="datetimeFigureOut">
               <a:rPr lang="de-DE" smtClean="0"/>
-              <a:t>16.06.2015</a:t>
+              <a:t>21.06.2015</a:t>
             </a:fld>
             <a:endParaRPr lang="de-DE"/>
           </a:p>
@@ -2676,7 +2676,7 @@
           <a:p>
             <a:fld id="{3EE56721-BCBD-4CD2-A558-B744E05A80A6}" type="datetimeFigureOut">
               <a:rPr lang="de-DE" smtClean="0"/>
-              <a:t>16.06.2015</a:t>
+              <a:t>21.06.2015</a:t>
             </a:fld>
             <a:endParaRPr lang="de-DE"/>
           </a:p>
@@ -2856,7 +2856,7 @@
           <a:p>
             <a:fld id="{3EE56721-BCBD-4CD2-A558-B744E05A80A6}" type="datetimeFigureOut">
               <a:rPr lang="de-DE" smtClean="0"/>
-              <a:t>16.06.2015</a:t>
+              <a:t>21.06.2015</a:t>
             </a:fld>
             <a:endParaRPr lang="de-DE"/>
           </a:p>
@@ -3106,7 +3106,7 @@
           <a:p>
             <a:fld id="{3EE56721-BCBD-4CD2-A558-B744E05A80A6}" type="datetimeFigureOut">
               <a:rPr lang="de-DE" smtClean="0"/>
-              <a:t>16.06.2015</a:t>
+              <a:t>21.06.2015</a:t>
             </a:fld>
             <a:endParaRPr lang="de-DE"/>
           </a:p>
@@ -3353,7 +3353,7 @@
           <a:p>
             <a:fld id="{3EE56721-BCBD-4CD2-A558-B744E05A80A6}" type="datetimeFigureOut">
               <a:rPr lang="de-DE" smtClean="0"/>
-              <a:t>16.06.2015</a:t>
+              <a:t>21.06.2015</a:t>
             </a:fld>
             <a:endParaRPr lang="de-DE"/>
           </a:p>
@@ -3742,7 +3742,7 @@
           <a:p>
             <a:fld id="{3EE56721-BCBD-4CD2-A558-B744E05A80A6}" type="datetimeFigureOut">
               <a:rPr lang="de-DE" smtClean="0"/>
-              <a:t>16.06.2015</a:t>
+              <a:t>21.06.2015</a:t>
             </a:fld>
             <a:endParaRPr lang="de-DE"/>
           </a:p>
@@ -3871,7 +3871,7 @@
           <a:p>
             <a:fld id="{3EE56721-BCBD-4CD2-A558-B744E05A80A6}" type="datetimeFigureOut">
               <a:rPr lang="de-DE" smtClean="0"/>
-              <a:t>16.06.2015</a:t>
+              <a:t>21.06.2015</a:t>
             </a:fld>
             <a:endParaRPr lang="de-DE"/>
           </a:p>
@@ -3966,7 +3966,7 @@
           <a:p>
             <a:fld id="{3EE56721-BCBD-4CD2-A558-B744E05A80A6}" type="datetimeFigureOut">
               <a:rPr lang="de-DE" smtClean="0"/>
-              <a:t>16.06.2015</a:t>
+              <a:t>21.06.2015</a:t>
             </a:fld>
             <a:endParaRPr lang="de-DE"/>
           </a:p>
@@ -4221,7 +4221,7 @@
           <a:p>
             <a:fld id="{3EE56721-BCBD-4CD2-A558-B744E05A80A6}" type="datetimeFigureOut">
               <a:rPr lang="de-DE" smtClean="0"/>
-              <a:t>16.06.2015</a:t>
+              <a:t>21.06.2015</a:t>
             </a:fld>
             <a:endParaRPr lang="de-DE"/>
           </a:p>
@@ -4504,7 +4504,7 @@
           <a:p>
             <a:fld id="{3EE56721-BCBD-4CD2-A558-B744E05A80A6}" type="datetimeFigureOut">
               <a:rPr lang="de-DE" smtClean="0"/>
-              <a:t>16.06.2015</a:t>
+              <a:t>21.06.2015</a:t>
             </a:fld>
             <a:endParaRPr lang="de-DE"/>
           </a:p>
@@ -4915,7 +4915,7 @@
           <a:p>
             <a:fld id="{3EE56721-BCBD-4CD2-A558-B744E05A80A6}" type="datetimeFigureOut">
               <a:rPr lang="de-DE" smtClean="0"/>
-              <a:t>16.06.2015</a:t>
+              <a:t>21.06.2015</a:t>
             </a:fld>
             <a:endParaRPr lang="de-DE"/>
           </a:p>
@@ -5458,7 +5458,7 @@
         </p:nvSpPr>
         <p:spPr>
           <a:xfrm>
-            <a:off x="44370" y="3201282"/>
+            <a:off x="22568169" y="26114991"/>
             <a:ext cx="5541407" cy="1938992"/>
           </a:xfrm>
           <a:prstGeom prst="rect">
@@ -5586,8 +5586,8 @@
         </p:nvSpPr>
         <p:spPr>
           <a:xfrm>
-            <a:off x="17267" y="7763865"/>
-            <a:ext cx="9602309" cy="3170099"/>
+            <a:off x="67001" y="4865192"/>
+            <a:ext cx="7603363" cy="3785652"/>
           </a:xfrm>
           <a:prstGeom prst="rect">
             <a:avLst/>
@@ -5617,18 +5617,27 @@
             </a:r>
             <a:r>
               <a:rPr lang="en-US" sz="4000" dirty="0"/>
-              <a:t> of information </a:t>
-            </a:r>
-            <a:endParaRPr lang="en-US" sz="4000" dirty="0" smtClean="0"/>
-          </a:p>
-          <a:p>
+              <a:t> </a:t>
+            </a:r>
             <a:r>
               <a:rPr lang="en-US" sz="4000" dirty="0" smtClean="0"/>
-              <a:t>created </a:t>
+              <a:t>of</a:t>
+            </a:r>
+          </a:p>
+          <a:p>
+            <a:r>
+              <a:rPr lang="en-US" sz="4000" dirty="0" smtClean="0"/>
+              <a:t>information created </a:t>
+            </a:r>
+          </a:p>
+          <a:p>
+            <a:r>
+              <a:rPr lang="en-US" sz="4000" dirty="0" smtClean="0"/>
+              <a:t>between </a:t>
             </a:r>
             <a:r>
               <a:rPr lang="en-US" sz="4000" dirty="0"/>
-              <a:t>between the dawn of </a:t>
+              <a:t>the dawn of </a:t>
             </a:r>
             <a:endParaRPr lang="en-US" sz="4000" dirty="0" smtClean="0"/>
           </a:p>
@@ -5639,11 +5648,19 @@
             </a:r>
             <a:r>
               <a:rPr lang="en-US" sz="4000" dirty="0"/>
-              <a:t>through 2003 now created </a:t>
+              <a:t>through 2003 </a:t>
             </a:r>
             <a:endParaRPr lang="en-US" sz="4000" dirty="0" smtClean="0"/>
           </a:p>
           <a:p>
+            <a:r>
+              <a:rPr lang="en-US" sz="4000" dirty="0" smtClean="0"/>
+              <a:t>now </a:t>
+            </a:r>
+            <a:r>
+              <a:rPr lang="en-US" sz="4000" dirty="0"/>
+              <a:t>created </a:t>
+            </a:r>
             <a:r>
               <a:rPr lang="en-US" sz="4000" dirty="0" smtClean="0"/>
               <a:t>every </a:t>
@@ -5660,15 +5677,19 @@
           <a:p>
             <a:r>
               <a:rPr lang="en-US" sz="4000" dirty="0" smtClean="0"/>
-              <a:t>– Eric </a:t>
-            </a:r>
-            <a:r>
-              <a:rPr lang="en-US" sz="4000" dirty="0" err="1" smtClean="0"/>
-              <a:t>Schmid</a:t>
+              <a:t>– </a:t>
+            </a:r>
+            <a:r>
+              <a:rPr lang="en-US" sz="4000" smtClean="0"/>
+              <a:t>Eric </a:t>
+            </a:r>
+            <a:r>
+              <a:rPr lang="en-US" sz="4000" smtClean="0"/>
+              <a:t>Schmidt </a:t>
             </a:r>
             <a:r>
               <a:rPr lang="en-US" sz="4000" dirty="0" smtClean="0"/>
-              <a:t> (CEO, Google)</a:t>
+              <a:t>(CEO, Google)</a:t>
             </a:r>
             <a:endParaRPr lang="de-DE" sz="4000" dirty="0"/>
           </a:p>
@@ -5682,7 +5703,7 @@
         </p:nvSpPr>
         <p:spPr>
           <a:xfrm>
-            <a:off x="-37370" y="5388414"/>
+            <a:off x="1479534" y="25911907"/>
             <a:ext cx="6407523" cy="2123658"/>
           </a:xfrm>
           <a:prstGeom prst="rect">
@@ -6515,7 +6536,7 @@
         </p:nvSpPr>
         <p:spPr>
           <a:xfrm rot="1756467">
-            <a:off x="2105283" y="815925"/>
+            <a:off x="4546954" y="968711"/>
             <a:ext cx="3814249" cy="1569660"/>
           </a:xfrm>
           <a:prstGeom prst="rect">
@@ -6613,8 +6634,8 @@
           <p:nvPr/>
         </p:nvSpPr>
         <p:spPr>
-          <a:xfrm rot="1702329">
-            <a:off x="4873194" y="4368930"/>
+          <a:xfrm rot="2389448">
+            <a:off x="5333665" y="4311911"/>
             <a:ext cx="6185156" cy="1569660"/>
           </a:xfrm>
           <a:prstGeom prst="rect">
@@ -6713,7 +6734,7 @@
         </p:nvSpPr>
         <p:spPr>
           <a:xfrm rot="19839163">
-            <a:off x="18484293" y="3990821"/>
+            <a:off x="18275905" y="3586475"/>
             <a:ext cx="6994223" cy="1569660"/>
           </a:xfrm>
           <a:prstGeom prst="rect">
@@ -6812,7 +6833,7 @@
         </p:nvSpPr>
         <p:spPr>
           <a:xfrm rot="20260994">
-            <a:off x="16343893" y="2860548"/>
+            <a:off x="14871415" y="2406099"/>
             <a:ext cx="2914580" cy="1569660"/>
           </a:xfrm>
           <a:prstGeom prst="rect">
@@ -6911,7 +6932,7 @@
         </p:nvSpPr>
         <p:spPr>
           <a:xfrm rot="20825746">
-            <a:off x="12506492" y="697404"/>
+            <a:off x="12661389" y="595284"/>
             <a:ext cx="5817042" cy="1569660"/>
           </a:xfrm>
           <a:prstGeom prst="rect">
@@ -7009,8 +7030,8 @@
           <p:nvPr/>
         </p:nvSpPr>
         <p:spPr>
-          <a:xfrm rot="863594">
-            <a:off x="23872083" y="637034"/>
+          <a:xfrm rot="20018869">
+            <a:off x="18742139" y="1600886"/>
             <a:ext cx="3688831" cy="1569660"/>
           </a:xfrm>
           <a:prstGeom prst="rect">
@@ -8080,11 +8101,7 @@
             </a:r>
             <a:r>
               <a:rPr lang="de-DE" sz="4400" dirty="0" err="1" smtClean="0"/>
-              <a:t>d</a:t>
-            </a:r>
-            <a:r>
-              <a:rPr lang="de-DE" sz="4400" dirty="0" err="1" smtClean="0"/>
-              <a:t>ata</a:t>
+              <a:t>data</a:t>
             </a:r>
             <a:r>
               <a:rPr lang="de-DE" sz="4400" dirty="0" smtClean="0"/>
@@ -8454,7 +8471,7 @@
         </p:blipFill>
         <p:spPr>
           <a:xfrm>
-            <a:off x="19067864" y="836096"/>
+            <a:off x="16375520" y="3379170"/>
             <a:ext cx="4179840" cy="2336424"/>
           </a:xfrm>
           <a:prstGeom prst="rect">
@@ -8545,7 +8562,7 @@
         </p:blipFill>
         <p:spPr bwMode="auto">
           <a:xfrm>
-            <a:off x="5208961" y="568877"/>
+            <a:off x="7892996" y="465979"/>
             <a:ext cx="3869160" cy="1283304"/>
           </a:xfrm>
           <a:prstGeom prst="rect">
@@ -8565,37 +8582,48 @@
       </p:pic>
       <p:pic>
         <p:nvPicPr>
-          <p:cNvPr id="48" name="Grafik 47"/>
+          <p:cNvPr id="2" name="Picture 2" descr="http://upload.wikimedia.org/wikipedia/commons/thumb/0/04/National_Security_Agency.svg/2000px-National_Security_Agency.svg.png"/>
           <p:cNvPicPr>
-            <a:picLocks noChangeAspect="1"/>
+            <a:picLocks noChangeAspect="1" noChangeArrowheads="1"/>
           </p:cNvPicPr>
           <p:nvPr/>
         </p:nvPicPr>
         <p:blipFill>
-          <a:blip r:embed="rId8">
+          <a:blip r:embed="rId8" cstate="print">
             <a:extLst>
               <a:ext uri="{28A0092B-C50C-407E-A947-70E740481C1C}">
                 <a14:useLocalDpi xmlns:a14="http://schemas.microsoft.com/office/drawing/2010/main" val="0"/>
               </a:ext>
             </a:extLst>
           </a:blip>
+          <a:srcRect/>
           <a:stretch>
             <a:fillRect/>
           </a:stretch>
         </p:blipFill>
-        <p:spPr>
+        <p:spPr bwMode="auto">
           <a:xfrm>
-            <a:off x="6980362" y="2652688"/>
-            <a:ext cx="2022402" cy="1130471"/>
+            <a:off x="14937669" y="5238260"/>
+            <a:ext cx="2940877" cy="2940877"/>
           </a:xfrm>
           <a:prstGeom prst="rect">
             <a:avLst/>
           </a:prstGeom>
+          <a:noFill/>
+          <a:extLst>
+            <a:ext uri="{909E8E84-426E-40DD-AFC4-6F175D3DCCD1}">
+              <a14:hiddenFill xmlns:a14="http://schemas.microsoft.com/office/drawing/2010/main">
+                <a:solidFill>
+                  <a:srgbClr val="FFFFFF"/>
+                </a:solidFill>
+              </a14:hiddenFill>
+            </a:ext>
+          </a:extLst>
         </p:spPr>
       </p:pic>
       <p:pic>
         <p:nvPicPr>
-          <p:cNvPr id="2" name="Picture 2" descr="http://upload.wikimedia.org/wikipedia/commons/thumb/0/04/National_Security_Agency.svg/2000px-National_Security_Agency.svg.png"/>
+          <p:cNvPr id="3" name="Picture 4" descr="http://www.icreatemagazine.com/wp-content/uploads/2014/01/VLC.png"/>
           <p:cNvPicPr>
             <a:picLocks noChangeAspect="1" noChangeArrowheads="1"/>
           </p:cNvPicPr>
@@ -8616,8 +8644,8 @@
         </p:blipFill>
         <p:spPr bwMode="auto">
           <a:xfrm>
-            <a:off x="14937669" y="5238260"/>
-            <a:ext cx="2940877" cy="2940877"/>
+            <a:off x="26682739" y="22503598"/>
+            <a:ext cx="3004718" cy="3004718"/>
           </a:xfrm>
           <a:prstGeom prst="rect">
             <a:avLst/>
@@ -8636,14 +8664,14 @@
       </p:pic>
       <p:pic>
         <p:nvPicPr>
-          <p:cNvPr id="3" name="Picture 4" descr="http://www.icreatemagazine.com/wp-content/uploads/2014/01/VLC.png"/>
+          <p:cNvPr id="1030" name="Picture 6" descr="http://icons.iconarchive.com/icons/cornmanthe3rd/plex/512/Media-winamp-icon.png"/>
           <p:cNvPicPr>
             <a:picLocks noChangeAspect="1" noChangeArrowheads="1"/>
           </p:cNvPicPr>
           <p:nvPr/>
         </p:nvPicPr>
         <p:blipFill>
-          <a:blip r:embed="rId10" cstate="print">
+          <a:blip r:embed="rId10">
             <a:extLst>
               <a:ext uri="{28A0092B-C50C-407E-A947-70E740481C1C}">
                 <a14:useLocalDpi xmlns:a14="http://schemas.microsoft.com/office/drawing/2010/main" val="0"/>
@@ -8657,8 +8685,8 @@
         </p:blipFill>
         <p:spPr bwMode="auto">
           <a:xfrm>
-            <a:off x="26734557" y="22156321"/>
-            <a:ext cx="3004718" cy="3004718"/>
+            <a:off x="20361329" y="22567736"/>
+            <a:ext cx="3234379" cy="3234380"/>
           </a:xfrm>
           <a:prstGeom prst="rect">
             <a:avLst/>
@@ -8677,7 +8705,7 @@
       </p:pic>
       <p:pic>
         <p:nvPicPr>
-          <p:cNvPr id="1030" name="Picture 6" descr="http://icons.iconarchive.com/icons/cornmanthe3rd/plex/512/Media-winamp-icon.png"/>
+          <p:cNvPr id="1032" name="Picture 8" descr="http://4.bp.blogspot.com/-TLkJeYwBiYc/TgLa-DCuHvI/AAAAAAAAAZY/3VgOVtk8ep8/s1600/MS%2BWord.png"/>
           <p:cNvPicPr>
             <a:picLocks noChangeAspect="1" noChangeArrowheads="1"/>
           </p:cNvPicPr>
@@ -8698,48 +8726,7 @@
         </p:blipFill>
         <p:spPr bwMode="auto">
           <a:xfrm>
-            <a:off x="20154316" y="22263983"/>
-            <a:ext cx="3234379" cy="3234380"/>
-          </a:xfrm>
-          <a:prstGeom prst="rect">
-            <a:avLst/>
-          </a:prstGeom>
-          <a:noFill/>
-          <a:extLst>
-            <a:ext uri="{909E8E84-426E-40DD-AFC4-6F175D3DCCD1}">
-              <a14:hiddenFill xmlns:a14="http://schemas.microsoft.com/office/drawing/2010/main">
-                <a:solidFill>
-                  <a:srgbClr val="FFFFFF"/>
-                </a:solidFill>
-              </a14:hiddenFill>
-            </a:ext>
-          </a:extLst>
-        </p:spPr>
-      </p:pic>
-      <p:pic>
-        <p:nvPicPr>
-          <p:cNvPr id="1032" name="Picture 8" descr="http://4.bp.blogspot.com/-TLkJeYwBiYc/TgLa-DCuHvI/AAAAAAAAAZY/3VgOVtk8ep8/s1600/MS%2BWord.png"/>
-          <p:cNvPicPr>
-            <a:picLocks noChangeAspect="1" noChangeArrowheads="1"/>
-          </p:cNvPicPr>
-          <p:nvPr/>
-        </p:nvPicPr>
-        <p:blipFill>
-          <a:blip r:embed="rId12">
-            <a:extLst>
-              <a:ext uri="{28A0092B-C50C-407E-A947-70E740481C1C}">
-                <a14:useLocalDpi xmlns:a14="http://schemas.microsoft.com/office/drawing/2010/main" val="0"/>
-              </a:ext>
-            </a:extLst>
-          </a:blip>
-          <a:srcRect/>
-          <a:stretch>
-            <a:fillRect/>
-          </a:stretch>
-        </p:blipFill>
-        <p:spPr bwMode="auto">
-          <a:xfrm>
-            <a:off x="23818794" y="22603411"/>
+            <a:off x="23812429" y="22893242"/>
             <a:ext cx="2438400" cy="2438400"/>
           </a:xfrm>
           <a:prstGeom prst="rect">
@@ -8766,15 +8753,15 @@
           <p:nvPr/>
         </p:nvPicPr>
         <p:blipFill>
-          <a:blip r:embed="rId13"/>
+          <a:blip r:embed="rId12"/>
           <a:stretch>
             <a:fillRect/>
           </a:stretch>
         </p:blipFill>
         <p:spPr>
           <a:xfrm>
-            <a:off x="10743662" y="26037481"/>
-            <a:ext cx="2554594" cy="2337500"/>
+            <a:off x="10877316" y="26342475"/>
+            <a:ext cx="2058394" cy="1883468"/>
           </a:xfrm>
           <a:prstGeom prst="rect">
             <a:avLst/>
@@ -8790,15 +8777,15 @@
           <p:nvPr/>
         </p:nvPicPr>
         <p:blipFill>
-          <a:blip r:embed="rId13"/>
+          <a:blip r:embed="rId12"/>
           <a:stretch>
             <a:fillRect/>
           </a:stretch>
         </p:blipFill>
         <p:spPr>
           <a:xfrm>
-            <a:off x="13001524" y="26037481"/>
-            <a:ext cx="2554594" cy="2337500"/>
+            <a:off x="13135178" y="26342475"/>
+            <a:ext cx="2058394" cy="1883468"/>
           </a:xfrm>
           <a:prstGeom prst="rect">
             <a:avLst/>
@@ -8814,15 +8801,15 @@
           <p:nvPr/>
         </p:nvPicPr>
         <p:blipFill>
-          <a:blip r:embed="rId13"/>
+          <a:blip r:embed="rId12"/>
           <a:stretch>
             <a:fillRect/>
           </a:stretch>
         </p:blipFill>
         <p:spPr>
           <a:xfrm>
-            <a:off x="15299661" y="26037481"/>
-            <a:ext cx="2554594" cy="2337500"/>
+            <a:off x="15433315" y="26342475"/>
+            <a:ext cx="2058394" cy="1883468"/>
           </a:xfrm>
           <a:prstGeom prst="rect">
             <a:avLst/>
@@ -8838,15 +8825,15 @@
           <p:nvPr/>
         </p:nvPicPr>
         <p:blipFill>
-          <a:blip r:embed="rId13"/>
+          <a:blip r:embed="rId12"/>
           <a:stretch>
             <a:fillRect/>
           </a:stretch>
         </p:blipFill>
         <p:spPr>
           <a:xfrm>
-            <a:off x="17555343" y="26037481"/>
-            <a:ext cx="2554594" cy="2337500"/>
+            <a:off x="17688997" y="26342475"/>
+            <a:ext cx="2058394" cy="1883468"/>
           </a:xfrm>
           <a:prstGeom prst="rect">
             <a:avLst/>
@@ -8862,7 +8849,7 @@
           <p:nvPr/>
         </p:nvPicPr>
         <p:blipFill>
-          <a:blip r:embed="rId14">
+          <a:blip r:embed="rId13">
             <a:extLst>
               <a:ext uri="{28A0092B-C50C-407E-A947-70E740481C1C}">
                 <a14:useLocalDpi xmlns:a14="http://schemas.microsoft.com/office/drawing/2010/main" val="0"/>
@@ -9015,7 +9002,7 @@
           <p:nvPr/>
         </p:nvPicPr>
         <p:blipFill>
-          <a:blip r:embed="rId15">
+          <a:blip r:embed="rId14">
             <a:extLst>
               <a:ext uri="{28A0092B-C50C-407E-A947-70E740481C1C}">
                 <a14:useLocalDpi xmlns:a14="http://schemas.microsoft.com/office/drawing/2010/main" val="0"/>
@@ -9056,7 +9043,7 @@
           <p:nvPr/>
         </p:nvPicPr>
         <p:blipFill>
-          <a:blip r:embed="rId16" cstate="print">
+          <a:blip r:embed="rId15" cstate="print">
             <a:extLst>
               <a:ext uri="{28A0092B-C50C-407E-A947-70E740481C1C}">
                 <a14:useLocalDpi xmlns:a14="http://schemas.microsoft.com/office/drawing/2010/main" val="0"/>
@@ -9097,7 +9084,7 @@
           <p:nvPr/>
         </p:nvPicPr>
         <p:blipFill>
-          <a:blip r:embed="rId17">
+          <a:blip r:embed="rId16">
             <a:extLst>
               <a:ext uri="{28A0092B-C50C-407E-A947-70E740481C1C}">
                 <a14:useLocalDpi xmlns:a14="http://schemas.microsoft.com/office/drawing/2010/main" val="0"/>
@@ -9281,7 +9268,19 @@
               <a:rPr lang="de-DE" sz="5400" dirty="0" smtClean="0"/>
               <a:t>.</a:t>
             </a:r>
-            <a:endParaRPr lang="de-DE" sz="5400" dirty="0"/>
+            <a:r>
+              <a:rPr lang="de-DE" sz="1800" dirty="0" smtClean="0"/>
+              <a:t>[</a:t>
+            </a:r>
+            <a:r>
+              <a:rPr lang="de-DE" sz="1800" dirty="0" err="1" smtClean="0"/>
+              <a:t>Estimated</a:t>
+            </a:r>
+            <a:r>
+              <a:rPr lang="de-DE" sz="1800" dirty="0" smtClean="0"/>
+              <a:t>]</a:t>
+            </a:r>
+            <a:endParaRPr lang="de-DE" sz="1800" dirty="0"/>
           </a:p>
         </p:txBody>
       </p:sp>
@@ -10341,7 +10340,7 @@
           <p:nvPr/>
         </p:nvPicPr>
         <p:blipFill>
-          <a:blip r:embed="rId18">
+          <a:blip r:embed="rId17">
             <a:extLst>
               <a:ext uri="{28A0092B-C50C-407E-A947-70E740481C1C}">
                 <a14:useLocalDpi xmlns:a14="http://schemas.microsoft.com/office/drawing/2010/main" val="0"/>
@@ -10738,10 +10737,10 @@
           <a:p>
             <a:pPr algn="ctr"/>
             <a:r>
-              <a:rPr lang="de-DE" sz="4000" dirty="0" smtClean="0"/>
+              <a:rPr lang="de-DE" sz="4000" b="1" dirty="0" smtClean="0"/>
               <a:t>2014</a:t>
             </a:r>
-            <a:endParaRPr lang="de-DE" sz="4000" dirty="0"/>
+            <a:endParaRPr lang="de-DE" sz="4000" b="1" dirty="0"/>
           </a:p>
         </p:txBody>
       </p:sp>
@@ -10779,14 +10778,14 @@
           </a:p>
           <a:p>
             <a:r>
-              <a:rPr lang="de-DE" sz="8000" dirty="0"/>
+              <a:rPr lang="de-DE" sz="8000" b="1" dirty="0"/>
               <a:t> </a:t>
             </a:r>
             <a:r>
-              <a:rPr lang="de-DE" sz="8000" dirty="0" smtClean="0"/>
+              <a:rPr lang="de-DE" sz="8000" b="1" dirty="0" smtClean="0"/>
               <a:t>      2020</a:t>
             </a:r>
-            <a:endParaRPr lang="de-DE" sz="8000" dirty="0"/>
+            <a:endParaRPr lang="de-DE" sz="8000" b="1" dirty="0"/>
           </a:p>
         </p:txBody>
       </p:sp>
@@ -11054,6 +11053,98 @@
           <a:solidFill>
             <a:schemeClr val="accent6"/>
           </a:solidFill>
+        </p:spPr>
+        <p:style>
+          <a:lnRef idx="2">
+            <a:schemeClr val="accent1">
+              <a:shade val="50000"/>
+            </a:schemeClr>
+          </a:lnRef>
+          <a:fillRef idx="1">
+            <a:schemeClr val="accent1"/>
+          </a:fillRef>
+          <a:effectRef idx="0">
+            <a:schemeClr val="accent1"/>
+          </a:effectRef>
+          <a:fontRef idx="minor">
+            <a:schemeClr val="lt1"/>
+          </a:fontRef>
+        </p:style>
+        <p:txBody>
+          <a:bodyPr rtlCol="0" anchor="ctr"/>
+          <a:lstStyle/>
+          <a:p>
+            <a:pPr algn="ctr"/>
+            <a:endParaRPr lang="de-DE"/>
+          </a:p>
+        </p:txBody>
+      </p:sp>
+      <p:sp>
+        <p:nvSpPr>
+          <p:cNvPr id="10" name="Pfeil nach rechts 9"/>
+          <p:cNvSpPr/>
+          <p:nvPr/>
+        </p:nvSpPr>
+        <p:spPr>
+          <a:xfrm rot="2658393">
+            <a:off x="-259244" y="3958363"/>
+            <a:ext cx="11285722" cy="607250"/>
+          </a:xfrm>
+          <a:prstGeom prst="rightArrow">
+            <a:avLst/>
+          </a:prstGeom>
+          <a:solidFill>
+            <a:schemeClr val="accent6"/>
+          </a:solidFill>
+          <a:ln>
+            <a:noFill/>
+          </a:ln>
+        </p:spPr>
+        <p:style>
+          <a:lnRef idx="2">
+            <a:schemeClr val="accent1">
+              <a:shade val="50000"/>
+            </a:schemeClr>
+          </a:lnRef>
+          <a:fillRef idx="1">
+            <a:schemeClr val="accent1"/>
+          </a:fillRef>
+          <a:effectRef idx="0">
+            <a:schemeClr val="accent1"/>
+          </a:effectRef>
+          <a:fontRef idx="minor">
+            <a:schemeClr val="lt1"/>
+          </a:fontRef>
+        </p:style>
+        <p:txBody>
+          <a:bodyPr rtlCol="0" anchor="ctr"/>
+          <a:lstStyle/>
+          <a:p>
+            <a:pPr algn="ctr"/>
+            <a:endParaRPr lang="de-DE"/>
+          </a:p>
+        </p:txBody>
+      </p:sp>
+      <p:sp>
+        <p:nvSpPr>
+          <p:cNvPr id="81" name="Pfeil nach rechts 80"/>
+          <p:cNvSpPr/>
+          <p:nvPr/>
+        </p:nvSpPr>
+        <p:spPr>
+          <a:xfrm rot="8181123">
+            <a:off x="19461370" y="3953756"/>
+            <a:ext cx="11285722" cy="607250"/>
+          </a:xfrm>
+          <a:prstGeom prst="rightArrow">
+            <a:avLst/>
+          </a:prstGeom>
+          <a:solidFill>
+            <a:schemeClr val="accent6"/>
+          </a:solidFill>
+          <a:ln>
+            <a:noFill/>
+          </a:ln>
         </p:spPr>
         <p:style>
           <a:lnRef idx="2">
